--- a/document/Task 2 Realization.pptx
+++ b/document/Task 2 Realization.pptx
@@ -5,14 +5,15 @@
     <p:sldMasterId id="2147483648" r:id="rId1"/>
   </p:sldMasterIdLst>
   <p:notesMasterIdLst>
-    <p:notesMasterId r:id="rId7"/>
+    <p:notesMasterId r:id="rId8"/>
   </p:notesMasterIdLst>
   <p:sldIdLst>
     <p:sldId id="256" r:id="rId2"/>
     <p:sldId id="257" r:id="rId3"/>
     <p:sldId id="258" r:id="rId4"/>
     <p:sldId id="259" r:id="rId5"/>
-    <p:sldId id="260" r:id="rId6"/>
+    <p:sldId id="261" r:id="rId6"/>
+    <p:sldId id="260" r:id="rId7"/>
   </p:sldIdLst>
   <p:sldSz cx="12192000" cy="6858000"/>
   <p:notesSz cx="6858000" cy="9144000"/>
@@ -111,6 +112,11 @@
       </a:defRPr>
     </a:lvl9pPr>
   </p:defaultTextStyle>
+  <p:extLst>
+    <p:ext uri="{EFAFB233-063F-42B5-8137-9DF3F51BA10A}">
+      <p15:sldGuideLst xmlns:p15="http://schemas.microsoft.com/office/powerpoint/2012/main"/>
+    </p:ext>
+  </p:extLst>
 </p:presentation>
 </file>
 
@@ -267,38 +273,37 @@
           <a:p>
             <a:pPr lvl="0"/>
             <a:r>
-              <a:rPr lang="zh-CN" altLang="en-US" dirty="0" smtClean="0"/>
+              <a:rPr lang="zh-CN" altLang="en-US" dirty="0"/>
               <a:t>单击此处编辑母版文本样式</a:t>
             </a:r>
           </a:p>
           <a:p>
             <a:pPr lvl="1"/>
             <a:r>
-              <a:rPr lang="zh-CN" altLang="en-US" dirty="0" smtClean="0"/>
+              <a:rPr lang="zh-CN" altLang="en-US" dirty="0"/>
               <a:t>第二级</a:t>
             </a:r>
           </a:p>
           <a:p>
             <a:pPr lvl="2"/>
             <a:r>
-              <a:rPr lang="zh-CN" altLang="en-US" dirty="0" smtClean="0"/>
+              <a:rPr lang="zh-CN" altLang="en-US" dirty="0"/>
               <a:t>第三级</a:t>
             </a:r>
           </a:p>
           <a:p>
             <a:pPr lvl="3"/>
             <a:r>
-              <a:rPr lang="zh-CN" altLang="en-US" dirty="0" smtClean="0"/>
+              <a:rPr lang="zh-CN" altLang="en-US" dirty="0"/>
               <a:t>第四级</a:t>
             </a:r>
           </a:p>
           <a:p>
             <a:pPr lvl="4"/>
             <a:r>
-              <a:rPr lang="zh-CN" altLang="en-US" dirty="0" smtClean="0"/>
+              <a:rPr lang="zh-CN" altLang="en-US" dirty="0"/>
               <a:t>第五级</a:t>
             </a:r>
-            <a:endParaRPr lang="zh-CN" altLang="en-US" dirty="0"/>
           </a:p>
         </p:txBody>
       </p:sp>
@@ -804,6 +809,90 @@
     </p:spTree>
     <p:extLst>
       <p:ext uri="{BB962C8B-B14F-4D97-AF65-F5344CB8AC3E}">
+        <p14:creationId xmlns:p14="http://schemas.microsoft.com/office/powerpoint/2010/main" val="4292505211"/>
+      </p:ext>
+    </p:extLst>
+  </p:cSld>
+  <p:clrMapOvr>
+    <a:masterClrMapping/>
+  </p:clrMapOvr>
+</p:notes>
+</file>
+
+<file path=ppt/notesSlides/notesSlide5.xml><?xml version="1.0" encoding="utf-8"?>
+<p:notes xmlns:a="http://schemas.openxmlformats.org/drawingml/2006/main" xmlns:r="http://schemas.openxmlformats.org/officeDocument/2006/relationships" xmlns:p="http://schemas.openxmlformats.org/presentationml/2006/main">
+  <p:cSld>
+    <p:spTree>
+      <p:nvGrpSpPr>
+        <p:cNvPr id="1" name=""/>
+        <p:cNvGrpSpPr/>
+        <p:nvPr/>
+      </p:nvGrpSpPr>
+      <p:grpSpPr>
+        <a:xfrm>
+          <a:off x="0" y="0"/>
+          <a:ext cx="0" cy="0"/>
+          <a:chOff x="0" y="0"/>
+          <a:chExt cx="0" cy="0"/>
+        </a:xfrm>
+      </p:grpSpPr>
+      <p:sp>
+        <p:nvSpPr>
+          <p:cNvPr id="2" name="幻灯片图像占位符 1"/>
+          <p:cNvSpPr>
+            <a:spLocks noGrp="1" noRot="1" noChangeAspect="1"/>
+          </p:cNvSpPr>
+          <p:nvPr>
+            <p:ph type="sldImg"/>
+          </p:nvPr>
+        </p:nvSpPr>
+        <p:spPr/>
+      </p:sp>
+      <p:sp>
+        <p:nvSpPr>
+          <p:cNvPr id="3" name="备注占位符 2"/>
+          <p:cNvSpPr>
+            <a:spLocks noGrp="1"/>
+          </p:cNvSpPr>
+          <p:nvPr>
+            <p:ph type="body" idx="1"/>
+          </p:nvPr>
+        </p:nvSpPr>
+        <p:spPr/>
+        <p:txBody>
+          <a:bodyPr/>
+          <a:lstStyle/>
+          <a:p>
+            <a:endParaRPr lang="zh-CN" altLang="en-US" dirty="0"/>
+          </a:p>
+        </p:txBody>
+      </p:sp>
+      <p:sp>
+        <p:nvSpPr>
+          <p:cNvPr id="4" name="灯片编号占位符 3"/>
+          <p:cNvSpPr>
+            <a:spLocks noGrp="1"/>
+          </p:cNvSpPr>
+          <p:nvPr>
+            <p:ph type="sldNum" sz="quarter" idx="5"/>
+          </p:nvPr>
+        </p:nvSpPr>
+        <p:spPr/>
+        <p:txBody>
+          <a:bodyPr/>
+          <a:lstStyle/>
+          <a:p>
+            <a:fld id="{858E46D1-FAEA-44CA-BAD9-8D8FD613D279}" type="slidenum">
+              <a:rPr lang="zh-CN" altLang="en-US" smtClean="0"/>
+              <a:t>6</a:t>
+            </a:fld>
+            <a:endParaRPr lang="zh-CN" altLang="en-US"/>
+          </a:p>
+        </p:txBody>
+      </p:sp>
+    </p:spTree>
+    <p:extLst>
+      <p:ext uri="{BB962C8B-B14F-4D97-AF65-F5344CB8AC3E}">
         <p14:creationId xmlns:p14="http://schemas.microsoft.com/office/powerpoint/2010/main" val="3780513472"/>
       </p:ext>
     </p:extLst>
@@ -856,10 +945,9 @@
           </a:lstStyle>
           <a:p>
             <a:r>
-              <a:rPr lang="zh-CN" altLang="en-US" smtClean="0"/>
+              <a:rPr lang="zh-CN" altLang="en-US"/>
               <a:t>单击此处编辑母版标题样式</a:t>
             </a:r>
-            <a:endParaRPr lang="zh-CN" altLang="en-US"/>
           </a:p>
         </p:txBody>
       </p:sp>
@@ -921,10 +1009,9 @@
           </a:lstStyle>
           <a:p>
             <a:r>
-              <a:rPr lang="zh-CN" altLang="en-US" smtClean="0"/>
+              <a:rPr lang="zh-CN" altLang="en-US"/>
               <a:t>单击此处编辑母版副标题样式</a:t>
             </a:r>
-            <a:endParaRPr lang="zh-CN" altLang="en-US"/>
           </a:p>
         </p:txBody>
       </p:sp>
@@ -1039,10 +1126,9 @@
           <a:lstStyle/>
           <a:p>
             <a:r>
-              <a:rPr lang="zh-CN" altLang="en-US" smtClean="0"/>
+              <a:rPr lang="zh-CN" altLang="en-US"/>
               <a:t>单击此处编辑母版标题样式</a:t>
             </a:r>
-            <a:endParaRPr lang="zh-CN" altLang="en-US"/>
           </a:p>
         </p:txBody>
       </p:sp>
@@ -1063,38 +1149,37 @@
           <a:p>
             <a:pPr lvl="0"/>
             <a:r>
-              <a:rPr lang="zh-CN" altLang="en-US" smtClean="0"/>
+              <a:rPr lang="zh-CN" altLang="en-US"/>
               <a:t>单击此处编辑母版文本样式</a:t>
             </a:r>
           </a:p>
           <a:p>
             <a:pPr lvl="1"/>
             <a:r>
-              <a:rPr lang="zh-CN" altLang="en-US" smtClean="0"/>
+              <a:rPr lang="zh-CN" altLang="en-US"/>
               <a:t>第二级</a:t>
             </a:r>
           </a:p>
           <a:p>
             <a:pPr lvl="2"/>
             <a:r>
-              <a:rPr lang="zh-CN" altLang="en-US" smtClean="0"/>
+              <a:rPr lang="zh-CN" altLang="en-US"/>
               <a:t>第三级</a:t>
             </a:r>
           </a:p>
           <a:p>
             <a:pPr lvl="3"/>
             <a:r>
-              <a:rPr lang="zh-CN" altLang="en-US" smtClean="0"/>
+              <a:rPr lang="zh-CN" altLang="en-US"/>
               <a:t>第四级</a:t>
             </a:r>
           </a:p>
           <a:p>
             <a:pPr lvl="4"/>
             <a:r>
-              <a:rPr lang="zh-CN" altLang="en-US" smtClean="0"/>
+              <a:rPr lang="zh-CN" altLang="en-US"/>
               <a:t>第五级</a:t>
             </a:r>
-            <a:endParaRPr lang="zh-CN" altLang="en-US"/>
           </a:p>
         </p:txBody>
       </p:sp>
@@ -1214,10 +1299,9 @@
           <a:lstStyle/>
           <a:p>
             <a:r>
-              <a:rPr lang="zh-CN" altLang="en-US" smtClean="0"/>
+              <a:rPr lang="zh-CN" altLang="en-US"/>
               <a:t>单击此处编辑母版标题样式</a:t>
             </a:r>
-            <a:endParaRPr lang="zh-CN" altLang="en-US"/>
           </a:p>
         </p:txBody>
       </p:sp>
@@ -1243,38 +1327,37 @@
           <a:p>
             <a:pPr lvl="0"/>
             <a:r>
-              <a:rPr lang="zh-CN" altLang="en-US" smtClean="0"/>
+              <a:rPr lang="zh-CN" altLang="en-US"/>
               <a:t>单击此处编辑母版文本样式</a:t>
             </a:r>
           </a:p>
           <a:p>
             <a:pPr lvl="1"/>
             <a:r>
-              <a:rPr lang="zh-CN" altLang="en-US" smtClean="0"/>
+              <a:rPr lang="zh-CN" altLang="en-US"/>
               <a:t>第二级</a:t>
             </a:r>
           </a:p>
           <a:p>
             <a:pPr lvl="2"/>
             <a:r>
-              <a:rPr lang="zh-CN" altLang="en-US" smtClean="0"/>
+              <a:rPr lang="zh-CN" altLang="en-US"/>
               <a:t>第三级</a:t>
             </a:r>
           </a:p>
           <a:p>
             <a:pPr lvl="3"/>
             <a:r>
-              <a:rPr lang="zh-CN" altLang="en-US" smtClean="0"/>
+              <a:rPr lang="zh-CN" altLang="en-US"/>
               <a:t>第四级</a:t>
             </a:r>
           </a:p>
           <a:p>
             <a:pPr lvl="4"/>
             <a:r>
-              <a:rPr lang="zh-CN" altLang="en-US" smtClean="0"/>
+              <a:rPr lang="zh-CN" altLang="en-US"/>
               <a:t>第五级</a:t>
             </a:r>
-            <a:endParaRPr lang="zh-CN" altLang="en-US"/>
           </a:p>
         </p:txBody>
       </p:sp>
@@ -1389,10 +1472,9 @@
           <a:lstStyle/>
           <a:p>
             <a:r>
-              <a:rPr lang="zh-CN" altLang="en-US" smtClean="0"/>
+              <a:rPr lang="zh-CN" altLang="en-US"/>
               <a:t>单击此处编辑母版标题样式</a:t>
             </a:r>
-            <a:endParaRPr lang="zh-CN" altLang="en-US"/>
           </a:p>
         </p:txBody>
       </p:sp>
@@ -1413,38 +1495,37 @@
           <a:p>
             <a:pPr lvl="0"/>
             <a:r>
-              <a:rPr lang="zh-CN" altLang="en-US" smtClean="0"/>
+              <a:rPr lang="zh-CN" altLang="en-US"/>
               <a:t>单击此处编辑母版文本样式</a:t>
             </a:r>
           </a:p>
           <a:p>
             <a:pPr lvl="1"/>
             <a:r>
-              <a:rPr lang="zh-CN" altLang="en-US" smtClean="0"/>
+              <a:rPr lang="zh-CN" altLang="en-US"/>
               <a:t>第二级</a:t>
             </a:r>
           </a:p>
           <a:p>
             <a:pPr lvl="2"/>
             <a:r>
-              <a:rPr lang="zh-CN" altLang="en-US" smtClean="0"/>
+              <a:rPr lang="zh-CN" altLang="en-US"/>
               <a:t>第三级</a:t>
             </a:r>
           </a:p>
           <a:p>
             <a:pPr lvl="3"/>
             <a:r>
-              <a:rPr lang="zh-CN" altLang="en-US" smtClean="0"/>
+              <a:rPr lang="zh-CN" altLang="en-US"/>
               <a:t>第四级</a:t>
             </a:r>
           </a:p>
           <a:p>
             <a:pPr lvl="4"/>
             <a:r>
-              <a:rPr lang="zh-CN" altLang="en-US" smtClean="0"/>
+              <a:rPr lang="zh-CN" altLang="en-US"/>
               <a:t>第五级</a:t>
             </a:r>
-            <a:endParaRPr lang="zh-CN" altLang="en-US"/>
           </a:p>
         </p:txBody>
       </p:sp>
@@ -1568,10 +1649,9 @@
           </a:lstStyle>
           <a:p>
             <a:r>
-              <a:rPr lang="zh-CN" altLang="en-US" smtClean="0"/>
+              <a:rPr lang="zh-CN" altLang="en-US"/>
               <a:t>单击此处编辑母版标题样式</a:t>
             </a:r>
-            <a:endParaRPr lang="zh-CN" altLang="en-US"/>
           </a:p>
         </p:txBody>
       </p:sp>
@@ -1688,7 +1768,7 @@
           <a:p>
             <a:pPr lvl="0"/>
             <a:r>
-              <a:rPr lang="zh-CN" altLang="en-US" smtClean="0"/>
+              <a:rPr lang="zh-CN" altLang="en-US"/>
               <a:t>单击此处编辑母版文本样式</a:t>
             </a:r>
           </a:p>
@@ -1805,10 +1885,9 @@
           <a:lstStyle/>
           <a:p>
             <a:r>
-              <a:rPr lang="zh-CN" altLang="en-US" smtClean="0"/>
+              <a:rPr lang="zh-CN" altLang="en-US"/>
               <a:t>单击此处编辑母版标题样式</a:t>
             </a:r>
-            <a:endParaRPr lang="zh-CN" altLang="en-US"/>
           </a:p>
         </p:txBody>
       </p:sp>
@@ -1834,38 +1913,37 @@
           <a:p>
             <a:pPr lvl="0"/>
             <a:r>
-              <a:rPr lang="zh-CN" altLang="en-US" smtClean="0"/>
+              <a:rPr lang="zh-CN" altLang="en-US"/>
               <a:t>单击此处编辑母版文本样式</a:t>
             </a:r>
           </a:p>
           <a:p>
             <a:pPr lvl="1"/>
             <a:r>
-              <a:rPr lang="zh-CN" altLang="en-US" smtClean="0"/>
+              <a:rPr lang="zh-CN" altLang="en-US"/>
               <a:t>第二级</a:t>
             </a:r>
           </a:p>
           <a:p>
             <a:pPr lvl="2"/>
             <a:r>
-              <a:rPr lang="zh-CN" altLang="en-US" smtClean="0"/>
+              <a:rPr lang="zh-CN" altLang="en-US"/>
               <a:t>第三级</a:t>
             </a:r>
           </a:p>
           <a:p>
             <a:pPr lvl="3"/>
             <a:r>
-              <a:rPr lang="zh-CN" altLang="en-US" smtClean="0"/>
+              <a:rPr lang="zh-CN" altLang="en-US"/>
               <a:t>第四级</a:t>
             </a:r>
           </a:p>
           <a:p>
             <a:pPr lvl="4"/>
             <a:r>
-              <a:rPr lang="zh-CN" altLang="en-US" smtClean="0"/>
+              <a:rPr lang="zh-CN" altLang="en-US"/>
               <a:t>第五级</a:t>
             </a:r>
-            <a:endParaRPr lang="zh-CN" altLang="en-US"/>
           </a:p>
         </p:txBody>
       </p:sp>
@@ -1891,38 +1969,37 @@
           <a:p>
             <a:pPr lvl="0"/>
             <a:r>
-              <a:rPr lang="zh-CN" altLang="en-US" smtClean="0"/>
+              <a:rPr lang="zh-CN" altLang="en-US"/>
               <a:t>单击此处编辑母版文本样式</a:t>
             </a:r>
           </a:p>
           <a:p>
             <a:pPr lvl="1"/>
             <a:r>
-              <a:rPr lang="zh-CN" altLang="en-US" smtClean="0"/>
+              <a:rPr lang="zh-CN" altLang="en-US"/>
               <a:t>第二级</a:t>
             </a:r>
           </a:p>
           <a:p>
             <a:pPr lvl="2"/>
             <a:r>
-              <a:rPr lang="zh-CN" altLang="en-US" smtClean="0"/>
+              <a:rPr lang="zh-CN" altLang="en-US"/>
               <a:t>第三级</a:t>
             </a:r>
           </a:p>
           <a:p>
             <a:pPr lvl="3"/>
             <a:r>
-              <a:rPr lang="zh-CN" altLang="en-US" smtClean="0"/>
+              <a:rPr lang="zh-CN" altLang="en-US"/>
               <a:t>第四级</a:t>
             </a:r>
           </a:p>
           <a:p>
             <a:pPr lvl="4"/>
             <a:r>
-              <a:rPr lang="zh-CN" altLang="en-US" smtClean="0"/>
+              <a:rPr lang="zh-CN" altLang="en-US"/>
               <a:t>第五级</a:t>
             </a:r>
-            <a:endParaRPr lang="zh-CN" altLang="en-US"/>
           </a:p>
         </p:txBody>
       </p:sp>
@@ -2042,10 +2119,9 @@
           <a:lstStyle/>
           <a:p>
             <a:r>
-              <a:rPr lang="zh-CN" altLang="en-US" smtClean="0"/>
+              <a:rPr lang="zh-CN" altLang="en-US"/>
               <a:t>单击此处编辑母版标题样式</a:t>
             </a:r>
-            <a:endParaRPr lang="zh-CN" altLang="en-US"/>
           </a:p>
         </p:txBody>
       </p:sp>
@@ -2108,7 +2184,7 @@
           <a:p>
             <a:pPr lvl="0"/>
             <a:r>
-              <a:rPr lang="zh-CN" altLang="en-US" smtClean="0"/>
+              <a:rPr lang="zh-CN" altLang="en-US"/>
               <a:t>单击此处编辑母版文本样式</a:t>
             </a:r>
           </a:p>
@@ -2136,38 +2212,37 @@
           <a:p>
             <a:pPr lvl="0"/>
             <a:r>
-              <a:rPr lang="zh-CN" altLang="en-US" smtClean="0"/>
+              <a:rPr lang="zh-CN" altLang="en-US"/>
               <a:t>单击此处编辑母版文本样式</a:t>
             </a:r>
           </a:p>
           <a:p>
             <a:pPr lvl="1"/>
             <a:r>
-              <a:rPr lang="zh-CN" altLang="en-US" smtClean="0"/>
+              <a:rPr lang="zh-CN" altLang="en-US"/>
               <a:t>第二级</a:t>
             </a:r>
           </a:p>
           <a:p>
             <a:pPr lvl="2"/>
             <a:r>
-              <a:rPr lang="zh-CN" altLang="en-US" smtClean="0"/>
+              <a:rPr lang="zh-CN" altLang="en-US"/>
               <a:t>第三级</a:t>
             </a:r>
           </a:p>
           <a:p>
             <a:pPr lvl="3"/>
             <a:r>
-              <a:rPr lang="zh-CN" altLang="en-US" smtClean="0"/>
+              <a:rPr lang="zh-CN" altLang="en-US"/>
               <a:t>第四级</a:t>
             </a:r>
           </a:p>
           <a:p>
             <a:pPr lvl="4"/>
             <a:r>
-              <a:rPr lang="zh-CN" altLang="en-US" smtClean="0"/>
+              <a:rPr lang="zh-CN" altLang="en-US"/>
               <a:t>第五级</a:t>
             </a:r>
-            <a:endParaRPr lang="zh-CN" altLang="en-US"/>
           </a:p>
         </p:txBody>
       </p:sp>
@@ -2230,7 +2305,7 @@
           <a:p>
             <a:pPr lvl="0"/>
             <a:r>
-              <a:rPr lang="zh-CN" altLang="en-US" smtClean="0"/>
+              <a:rPr lang="zh-CN" altLang="en-US"/>
               <a:t>单击此处编辑母版文本样式</a:t>
             </a:r>
           </a:p>
@@ -2258,38 +2333,37 @@
           <a:p>
             <a:pPr lvl="0"/>
             <a:r>
-              <a:rPr lang="zh-CN" altLang="en-US" smtClean="0"/>
+              <a:rPr lang="zh-CN" altLang="en-US"/>
               <a:t>单击此处编辑母版文本样式</a:t>
             </a:r>
           </a:p>
           <a:p>
             <a:pPr lvl="1"/>
             <a:r>
-              <a:rPr lang="zh-CN" altLang="en-US" smtClean="0"/>
+              <a:rPr lang="zh-CN" altLang="en-US"/>
               <a:t>第二级</a:t>
             </a:r>
           </a:p>
           <a:p>
             <a:pPr lvl="2"/>
             <a:r>
-              <a:rPr lang="zh-CN" altLang="en-US" smtClean="0"/>
+              <a:rPr lang="zh-CN" altLang="en-US"/>
               <a:t>第三级</a:t>
             </a:r>
           </a:p>
           <a:p>
             <a:pPr lvl="3"/>
             <a:r>
-              <a:rPr lang="zh-CN" altLang="en-US" smtClean="0"/>
+              <a:rPr lang="zh-CN" altLang="en-US"/>
               <a:t>第四级</a:t>
             </a:r>
           </a:p>
           <a:p>
             <a:pPr lvl="4"/>
             <a:r>
-              <a:rPr lang="zh-CN" altLang="en-US" smtClean="0"/>
+              <a:rPr lang="zh-CN" altLang="en-US"/>
               <a:t>第五级</a:t>
             </a:r>
-            <a:endParaRPr lang="zh-CN" altLang="en-US"/>
           </a:p>
         </p:txBody>
       </p:sp>
@@ -2404,10 +2478,9 @@
           <a:lstStyle/>
           <a:p>
             <a:r>
-              <a:rPr lang="zh-CN" altLang="en-US" smtClean="0"/>
+              <a:rPr lang="zh-CN" altLang="en-US"/>
               <a:t>单击此处编辑母版标题样式</a:t>
             </a:r>
-            <a:endParaRPr lang="zh-CN" altLang="en-US"/>
           </a:p>
         </p:txBody>
       </p:sp>
@@ -2626,10 +2699,9 @@
           </a:lstStyle>
           <a:p>
             <a:r>
-              <a:rPr lang="zh-CN" altLang="en-US" smtClean="0"/>
+              <a:rPr lang="zh-CN" altLang="en-US"/>
               <a:t>单击此处编辑母版标题样式</a:t>
             </a:r>
-            <a:endParaRPr lang="zh-CN" altLang="en-US"/>
           </a:p>
         </p:txBody>
       </p:sp>
@@ -2683,38 +2755,37 @@
           <a:p>
             <a:pPr lvl="0"/>
             <a:r>
-              <a:rPr lang="zh-CN" altLang="en-US" smtClean="0"/>
+              <a:rPr lang="zh-CN" altLang="en-US"/>
               <a:t>单击此处编辑母版文本样式</a:t>
             </a:r>
           </a:p>
           <a:p>
             <a:pPr lvl="1"/>
             <a:r>
-              <a:rPr lang="zh-CN" altLang="en-US" smtClean="0"/>
+              <a:rPr lang="zh-CN" altLang="en-US"/>
               <a:t>第二级</a:t>
             </a:r>
           </a:p>
           <a:p>
             <a:pPr lvl="2"/>
             <a:r>
-              <a:rPr lang="zh-CN" altLang="en-US" smtClean="0"/>
+              <a:rPr lang="zh-CN" altLang="en-US"/>
               <a:t>第三级</a:t>
             </a:r>
           </a:p>
           <a:p>
             <a:pPr lvl="3"/>
             <a:r>
-              <a:rPr lang="zh-CN" altLang="en-US" smtClean="0"/>
+              <a:rPr lang="zh-CN" altLang="en-US"/>
               <a:t>第四级</a:t>
             </a:r>
           </a:p>
           <a:p>
             <a:pPr lvl="4"/>
             <a:r>
-              <a:rPr lang="zh-CN" altLang="en-US" smtClean="0"/>
+              <a:rPr lang="zh-CN" altLang="en-US"/>
               <a:t>第五级</a:t>
             </a:r>
-            <a:endParaRPr lang="zh-CN" altLang="en-US"/>
           </a:p>
         </p:txBody>
       </p:sp>
@@ -2777,7 +2848,7 @@
           <a:p>
             <a:pPr lvl="0"/>
             <a:r>
-              <a:rPr lang="zh-CN" altLang="en-US" smtClean="0"/>
+              <a:rPr lang="zh-CN" altLang="en-US"/>
               <a:t>单击此处编辑母版文本样式</a:t>
             </a:r>
           </a:p>
@@ -2903,10 +2974,9 @@
           </a:lstStyle>
           <a:p>
             <a:r>
-              <a:rPr lang="zh-CN" altLang="en-US" smtClean="0"/>
+              <a:rPr lang="zh-CN" altLang="en-US"/>
               <a:t>单击此处编辑母版标题样式</a:t>
             </a:r>
-            <a:endParaRPr lang="zh-CN" altLang="en-US"/>
           </a:p>
         </p:txBody>
       </p:sp>
@@ -3030,7 +3100,7 @@
           <a:p>
             <a:pPr lvl="0"/>
             <a:r>
-              <a:rPr lang="zh-CN" altLang="en-US" smtClean="0"/>
+              <a:rPr lang="zh-CN" altLang="en-US"/>
               <a:t>单击此处编辑母版文本样式</a:t>
             </a:r>
           </a:p>
@@ -3162,10 +3232,9 @@
           <a:lstStyle/>
           <a:p>
             <a:r>
-              <a:rPr lang="zh-CN" altLang="en-US" dirty="0" smtClean="0"/>
+              <a:rPr lang="zh-CN" altLang="en-US" dirty="0"/>
               <a:t>单击此处编辑母版标题样式</a:t>
             </a:r>
-            <a:endParaRPr lang="zh-CN" altLang="en-US" dirty="0"/>
           </a:p>
         </p:txBody>
       </p:sp>
@@ -3196,38 +3265,37 @@
           <a:p>
             <a:pPr lvl="0"/>
             <a:r>
-              <a:rPr lang="zh-CN" altLang="en-US" dirty="0" smtClean="0"/>
+              <a:rPr lang="zh-CN" altLang="en-US" dirty="0"/>
               <a:t>单击此处编辑母版文本样式</a:t>
             </a:r>
           </a:p>
           <a:p>
             <a:pPr lvl="1"/>
             <a:r>
-              <a:rPr lang="zh-CN" altLang="en-US" dirty="0" smtClean="0"/>
+              <a:rPr lang="zh-CN" altLang="en-US" dirty="0"/>
               <a:t>第二级</a:t>
             </a:r>
           </a:p>
           <a:p>
             <a:pPr lvl="2"/>
             <a:r>
-              <a:rPr lang="zh-CN" altLang="en-US" dirty="0" smtClean="0"/>
+              <a:rPr lang="zh-CN" altLang="en-US" dirty="0"/>
               <a:t>第三级</a:t>
             </a:r>
           </a:p>
           <a:p>
             <a:pPr lvl="3"/>
             <a:r>
-              <a:rPr lang="zh-CN" altLang="en-US" dirty="0" smtClean="0"/>
+              <a:rPr lang="zh-CN" altLang="en-US" dirty="0"/>
               <a:t>第四级</a:t>
             </a:r>
           </a:p>
           <a:p>
             <a:pPr lvl="4"/>
             <a:r>
-              <a:rPr lang="zh-CN" altLang="en-US" dirty="0" smtClean="0"/>
+              <a:rPr lang="zh-CN" altLang="en-US" dirty="0"/>
               <a:t>第五级</a:t>
             </a:r>
-            <a:endParaRPr lang="zh-CN" altLang="en-US" dirty="0"/>
           </a:p>
         </p:txBody>
       </p:sp>
@@ -3695,7 +3763,7 @@
           <a:lstStyle/>
           <a:p>
             <a:r>
-              <a:rPr lang="en-US" altLang="zh-CN" dirty="0" smtClean="0"/>
+              <a:rPr lang="en-US" altLang="zh-CN" dirty="0"/>
               <a:t>Task 2 Realization</a:t>
             </a:r>
             <a:endParaRPr lang="zh-CN" altLang="en-US" dirty="0"/>
@@ -3718,10 +3786,9 @@
           <a:lstStyle/>
           <a:p>
             <a:r>
-              <a:rPr lang="zh-CN" altLang="en-US" dirty="0" smtClean="0"/>
+              <a:rPr lang="zh-CN" altLang="en-US" dirty="0"/>
               <a:t>朕为你打下江山 组</a:t>
             </a:r>
-            <a:endParaRPr lang="zh-CN" altLang="en-US" dirty="0"/>
           </a:p>
         </p:txBody>
       </p:sp>
@@ -3760,7 +3827,7 @@
           <p:cNvPr id="2" name="标题 1">
             <a:extLst>
               <a:ext uri="{FF2B5EF4-FFF2-40B4-BE49-F238E27FC236}">
-                <a16:creationId xmlns="" xmlns:a16="http://schemas.microsoft.com/office/drawing/2014/main" id="{19C67D63-5CD8-483F-8FFA-F3D36AC01214}"/>
+                <a16:creationId xmlns:a16="http://schemas.microsoft.com/office/drawing/2014/main" id="{19C67D63-5CD8-483F-8FFA-F3D36AC01214}"/>
               </a:ext>
             </a:extLst>
           </p:cNvPr>
@@ -3777,10 +3844,9 @@
           <a:lstStyle/>
           <a:p>
             <a:r>
-              <a:rPr lang="zh-CN" altLang="en-US" dirty="0" smtClean="0"/>
+              <a:rPr lang="zh-CN" altLang="en-US" dirty="0"/>
               <a:t>任务目标</a:t>
             </a:r>
-            <a:endParaRPr lang="zh-CN" altLang="en-US" dirty="0"/>
           </a:p>
         </p:txBody>
       </p:sp>
@@ -3789,7 +3855,7 @@
           <p:cNvPr id="3" name="内容占位符 2">
             <a:extLst>
               <a:ext uri="{FF2B5EF4-FFF2-40B4-BE49-F238E27FC236}">
-                <a16:creationId xmlns="" xmlns:a16="http://schemas.microsoft.com/office/drawing/2014/main" id="{FD70730F-314A-462B-80CF-1A51B3A12DB8}"/>
+                <a16:creationId xmlns:a16="http://schemas.microsoft.com/office/drawing/2014/main" id="{FD70730F-314A-462B-80CF-1A51B3A12DB8}"/>
               </a:ext>
             </a:extLst>
           </p:cNvPr>
@@ -3819,45 +3885,37 @@
             </a:pPr>
             <a:r>
               <a:rPr lang="zh-CN" altLang="en-US" dirty="0"/>
-              <a:t>验证</a:t>
-            </a:r>
-            <a:r>
-              <a:rPr lang="zh-CN" altLang="en-US" dirty="0" smtClean="0"/>
-              <a:t>码生成方式：</a:t>
-            </a:r>
-            <a:r>
-              <a:rPr lang="zh-CN" altLang="en-US" b="1" dirty="0" smtClean="0"/>
+              <a:t>验证码生成方式：</a:t>
+            </a:r>
+            <a:r>
+              <a:rPr lang="zh-CN" altLang="en-US" b="1" dirty="0"/>
               <a:t>后端</a:t>
             </a:r>
             <a:r>
-              <a:rPr lang="zh-CN" altLang="en-US" dirty="0" smtClean="0"/>
+              <a:rPr lang="zh-CN" altLang="en-US" dirty="0"/>
               <a:t>生成</a:t>
             </a:r>
             <a:r>
-              <a:rPr lang="zh-CN" altLang="en-US" b="1" dirty="0" smtClean="0"/>
+              <a:rPr lang="zh-CN" altLang="en-US" b="1" dirty="0"/>
               <a:t>图片</a:t>
             </a:r>
             <a:r>
-              <a:rPr lang="zh-CN" altLang="en-US" dirty="0" smtClean="0"/>
+              <a:rPr lang="zh-CN" altLang="en-US" dirty="0"/>
               <a:t>验证码</a:t>
             </a:r>
-            <a:endParaRPr lang="en-US" altLang="zh-CN" dirty="0" smtClean="0"/>
+            <a:endParaRPr lang="en-US" altLang="zh-CN" dirty="0"/>
           </a:p>
           <a:p>
             <a:r>
               <a:rPr lang="zh-CN" altLang="en-US" dirty="0"/>
-              <a:t>绕</a:t>
-            </a:r>
-            <a:r>
-              <a:rPr lang="zh-CN" altLang="en-US" dirty="0" smtClean="0"/>
-              <a:t>过方式：使用</a:t>
-            </a:r>
-            <a:r>
-              <a:rPr lang="zh-CN" altLang="en-US" b="1" dirty="0" smtClean="0"/>
+              <a:t>绕过方式：使用</a:t>
+            </a:r>
+            <a:r>
+              <a:rPr lang="zh-CN" altLang="en-US" b="1" dirty="0"/>
               <a:t>深度学习</a:t>
             </a:r>
             <a:r>
-              <a:rPr lang="zh-CN" altLang="en-US" dirty="0" smtClean="0"/>
+              <a:rPr lang="zh-CN" altLang="en-US" dirty="0"/>
               <a:t>识别图片验证码进行绕过</a:t>
             </a:r>
             <a:endParaRPr lang="en-US" altLang="zh-CN" dirty="0"/>
@@ -3877,13 +3935,6 @@
   <p:clrMapOvr>
     <a:masterClrMapping/>
   </p:clrMapOvr>
-  <p:timing>
-    <p:tnLst>
-      <p:par>
-        <p:cTn id="1" dur="indefinite" restart="never" nodeType="tmRoot"/>
-      </p:par>
-    </p:tnLst>
-  </p:timing>
 </p:sld>
 </file>
 
@@ -3909,7 +3960,7 @@
           <p:cNvPr id="2" name="标题 1">
             <a:extLst>
               <a:ext uri="{FF2B5EF4-FFF2-40B4-BE49-F238E27FC236}">
-                <a16:creationId xmlns="" xmlns:a16="http://schemas.microsoft.com/office/drawing/2014/main" id="{19C67D63-5CD8-483F-8FFA-F3D36AC01214}"/>
+                <a16:creationId xmlns:a16="http://schemas.microsoft.com/office/drawing/2014/main" id="{19C67D63-5CD8-483F-8FFA-F3D36AC01214}"/>
               </a:ext>
             </a:extLst>
           </p:cNvPr>
@@ -3926,10 +3977,9 @@
           <a:lstStyle/>
           <a:p>
             <a:r>
-              <a:rPr lang="zh-CN" altLang="en-US" dirty="0" smtClean="0"/>
+              <a:rPr lang="zh-CN" altLang="en-US" dirty="0"/>
               <a:t>具体实现</a:t>
             </a:r>
-            <a:endParaRPr lang="zh-CN" altLang="en-US" dirty="0"/>
           </a:p>
         </p:txBody>
       </p:sp>
@@ -3938,7 +3988,7 @@
           <p:cNvPr id="3" name="内容占位符 2">
             <a:extLst>
               <a:ext uri="{FF2B5EF4-FFF2-40B4-BE49-F238E27FC236}">
-                <a16:creationId xmlns="" xmlns:a16="http://schemas.microsoft.com/office/drawing/2014/main" id="{FD70730F-314A-462B-80CF-1A51B3A12DB8}"/>
+                <a16:creationId xmlns:a16="http://schemas.microsoft.com/office/drawing/2014/main" id="{FD70730F-314A-462B-80CF-1A51B3A12DB8}"/>
               </a:ext>
             </a:extLst>
           </p:cNvPr>
@@ -3962,14 +4012,14 @@
           <a:lstStyle/>
           <a:p>
             <a:r>
-              <a:rPr lang="en-US" altLang="zh-CN" dirty="0" smtClean="0"/>
+              <a:rPr lang="en-US" altLang="zh-CN" dirty="0"/>
               <a:t>Web</a:t>
             </a:r>
             <a:r>
-              <a:rPr lang="zh-CN" altLang="en-US" dirty="0" smtClean="0"/>
+              <a:rPr lang="zh-CN" altLang="en-US" dirty="0"/>
               <a:t>服务搭建：</a:t>
             </a:r>
-            <a:endParaRPr lang="en-US" altLang="zh-CN" dirty="0" smtClean="0"/>
+            <a:endParaRPr lang="en-US" altLang="zh-CN" dirty="0"/>
           </a:p>
           <a:p>
             <a:pPr lvl="1">
@@ -3978,30 +4028,26 @@
               </a:lnSpc>
             </a:pPr>
             <a:r>
-              <a:rPr lang="zh-CN" altLang="en-US" dirty="0" smtClean="0"/>
+              <a:rPr lang="zh-CN" altLang="en-US" dirty="0"/>
               <a:t>使用</a:t>
             </a:r>
             <a:r>
-              <a:rPr lang="en-US" altLang="zh-CN" b="1" dirty="0" smtClean="0"/>
+              <a:rPr lang="en-US" altLang="zh-CN" b="1" dirty="0"/>
               <a:t>flask</a:t>
             </a:r>
             <a:r>
-              <a:rPr lang="zh-CN" altLang="en-US" dirty="0" smtClean="0"/>
+              <a:rPr lang="zh-CN" altLang="en-US" dirty="0"/>
               <a:t>搭建一个简易的</a:t>
             </a:r>
             <a:r>
-              <a:rPr lang="en-US" altLang="zh-CN" dirty="0" smtClean="0"/>
+              <a:rPr lang="en-US" altLang="zh-CN" dirty="0"/>
               <a:t>Web</a:t>
             </a:r>
             <a:r>
-              <a:rPr lang="zh-CN" altLang="en-US" dirty="0" smtClean="0"/>
-              <a:t>服务</a:t>
-            </a:r>
-            <a:r>
-              <a:rPr lang="zh-CN" altLang="en-US" dirty="0" smtClean="0"/>
-              <a:t>，仅含有登录功能；</a:t>
-            </a:r>
-            <a:endParaRPr lang="en-US" altLang="zh-CN" dirty="0" smtClean="0"/>
+              <a:rPr lang="zh-CN" altLang="en-US" dirty="0"/>
+              <a:t>服务，仅含有登录功能；</a:t>
+            </a:r>
+            <a:endParaRPr lang="en-US" altLang="zh-CN" dirty="0"/>
           </a:p>
           <a:p>
             <a:pPr lvl="1">
@@ -4010,18 +4056,18 @@
               </a:lnSpc>
             </a:pPr>
             <a:r>
-              <a:rPr lang="zh-CN" altLang="en-US" dirty="0" smtClean="0"/>
+              <a:rPr lang="zh-CN" altLang="en-US" dirty="0"/>
               <a:t>使用</a:t>
             </a:r>
             <a:r>
-              <a:rPr lang="en-US" altLang="zh-CN" b="1" dirty="0" smtClean="0"/>
+              <a:rPr lang="en-US" altLang="zh-CN" b="1" dirty="0"/>
               <a:t>sqlite3</a:t>
             </a:r>
             <a:r>
-              <a:rPr lang="zh-CN" altLang="en-US" dirty="0" smtClean="0"/>
+              <a:rPr lang="zh-CN" altLang="en-US" dirty="0"/>
               <a:t>存储用户名和密码；</a:t>
             </a:r>
-            <a:endParaRPr lang="en-US" altLang="zh-CN" dirty="0" smtClean="0"/>
+            <a:endParaRPr lang="en-US" altLang="zh-CN" dirty="0"/>
           </a:p>
           <a:p>
             <a:pPr lvl="1">
@@ -4030,30 +4076,30 @@
               </a:lnSpc>
             </a:pPr>
             <a:r>
-              <a:rPr lang="zh-CN" altLang="en-US" dirty="0" smtClean="0"/>
+              <a:rPr lang="zh-CN" altLang="en-US" dirty="0"/>
               <a:t>使用</a:t>
             </a:r>
             <a:r>
-              <a:rPr lang="en-US" altLang="zh-CN" dirty="0" smtClean="0"/>
+              <a:rPr lang="en-US" altLang="zh-CN" dirty="0"/>
               <a:t>python </a:t>
             </a:r>
             <a:r>
-              <a:rPr lang="en-US" altLang="zh-CN" b="1" dirty="0" smtClean="0"/>
+              <a:rPr lang="en-US" altLang="zh-CN" b="1" dirty="0"/>
               <a:t>captcha</a:t>
             </a:r>
             <a:r>
-              <a:rPr lang="zh-CN" altLang="en-US" dirty="0" smtClean="0"/>
+              <a:rPr lang="zh-CN" altLang="en-US" dirty="0"/>
               <a:t>模块随机生成一个</a:t>
             </a:r>
             <a:r>
-              <a:rPr lang="en-US" altLang="zh-CN" dirty="0" smtClean="0"/>
+              <a:rPr lang="en-US" altLang="zh-CN" dirty="0"/>
               <a:t>4</a:t>
             </a:r>
             <a:r>
-              <a:rPr lang="zh-CN" altLang="en-US" dirty="0" smtClean="0"/>
+              <a:rPr lang="zh-CN" altLang="en-US" dirty="0"/>
               <a:t>位长的图片验证码；</a:t>
             </a:r>
-            <a:endParaRPr lang="en-US" altLang="zh-CN" dirty="0" smtClean="0"/>
+            <a:endParaRPr lang="en-US" altLang="zh-CN" dirty="0"/>
           </a:p>
           <a:p>
             <a:pPr lvl="1">
@@ -4062,75 +4108,63 @@
               </a:lnSpc>
             </a:pPr>
             <a:r>
-              <a:rPr lang="zh-CN" altLang="en-US" dirty="0" smtClean="0"/>
+              <a:rPr lang="zh-CN" altLang="en-US" dirty="0"/>
               <a:t>通过</a:t>
             </a:r>
             <a:r>
-              <a:rPr lang="en-US" altLang="zh-CN" b="1" dirty="0" smtClean="0"/>
+              <a:rPr lang="en-US" altLang="zh-CN" b="1" dirty="0"/>
               <a:t>session</a:t>
             </a:r>
             <a:r>
-              <a:rPr lang="zh-CN" altLang="en-US" dirty="0" smtClean="0"/>
+              <a:rPr lang="zh-CN" altLang="en-US" dirty="0"/>
               <a:t>的方式存储当前用户当前时刻的图片验证码，并且设置</a:t>
             </a:r>
             <a:r>
-              <a:rPr lang="en-US" altLang="zh-CN" dirty="0" smtClean="0"/>
+              <a:rPr lang="en-US" altLang="zh-CN" dirty="0"/>
               <a:t>session</a:t>
             </a:r>
             <a:r>
-              <a:rPr lang="zh-CN" altLang="en-US" dirty="0" smtClean="0"/>
+              <a:rPr lang="zh-CN" altLang="en-US" dirty="0"/>
               <a:t>的过期时长为</a:t>
             </a:r>
             <a:r>
-              <a:rPr lang="en-US" altLang="zh-CN" b="1" dirty="0" smtClean="0"/>
+              <a:rPr lang="en-US" altLang="zh-CN" b="1" dirty="0"/>
               <a:t>2</a:t>
             </a:r>
             <a:r>
-              <a:rPr lang="zh-CN" altLang="en-US" dirty="0" smtClean="0"/>
+              <a:rPr lang="zh-CN" altLang="en-US" dirty="0"/>
               <a:t>分钟，</a:t>
             </a:r>
-            <a:r>
-              <a:rPr lang="en-US" altLang="zh-CN" dirty="0" smtClean="0"/>
-              <a:t/>
-            </a:r>
             <a:br>
-              <a:rPr lang="en-US" altLang="zh-CN" dirty="0" smtClean="0"/>
+              <a:rPr lang="en-US" altLang="zh-CN" dirty="0"/>
             </a:br>
             <a:r>
-              <a:rPr lang="zh-CN" altLang="en-US" dirty="0" smtClean="0"/>
+              <a:rPr lang="zh-CN" altLang="en-US" dirty="0"/>
               <a:t>每次验证后都</a:t>
             </a:r>
             <a:r>
-              <a:rPr lang="zh-CN" altLang="en-US" b="1" dirty="0" smtClean="0"/>
+              <a:rPr lang="zh-CN" altLang="en-US" b="1" dirty="0"/>
               <a:t>刷新</a:t>
             </a:r>
             <a:r>
-              <a:rPr lang="zh-CN" altLang="en-US" dirty="0" smtClean="0"/>
+              <a:rPr lang="zh-CN" altLang="en-US" dirty="0"/>
               <a:t>图片验证</a:t>
             </a:r>
-            <a:r>
-              <a:rPr lang="en-US" altLang="zh-CN" dirty="0" smtClean="0"/>
-              <a:t/>
-            </a:r>
             <a:br>
-              <a:rPr lang="en-US" altLang="zh-CN" dirty="0" smtClean="0"/>
+              <a:rPr lang="en-US" altLang="zh-CN" dirty="0"/>
             </a:br>
             <a:r>
-              <a:rPr lang="zh-CN" altLang="en-US" dirty="0" smtClean="0"/>
+              <a:rPr lang="zh-CN" altLang="en-US" dirty="0"/>
               <a:t>码，防止暴力破解图片验证</a:t>
             </a:r>
-            <a:r>
-              <a:rPr lang="en-US" altLang="zh-CN" dirty="0" smtClean="0"/>
-              <a:t/>
-            </a:r>
             <a:br>
-              <a:rPr lang="en-US" altLang="zh-CN" dirty="0" smtClean="0"/>
+              <a:rPr lang="en-US" altLang="zh-CN" dirty="0"/>
             </a:br>
             <a:r>
-              <a:rPr lang="zh-CN" altLang="en-US" dirty="0" smtClean="0"/>
+              <a:rPr lang="zh-CN" altLang="en-US" dirty="0"/>
               <a:t>码。</a:t>
             </a:r>
-            <a:endParaRPr lang="en-US" altLang="zh-CN" dirty="0" smtClean="0"/>
+            <a:endParaRPr lang="en-US" altLang="zh-CN" dirty="0"/>
           </a:p>
           <a:p>
             <a:pPr lvl="1"/>
@@ -4202,13 +4236,6 @@
   <p:clrMapOvr>
     <a:masterClrMapping/>
   </p:clrMapOvr>
-  <p:timing>
-    <p:tnLst>
-      <p:par>
-        <p:cTn id="1" dur="indefinite" restart="never" nodeType="tmRoot"/>
-      </p:par>
-    </p:tnLst>
-  </p:timing>
 </p:sld>
 </file>
 
@@ -4234,7 +4261,7 @@
           <p:cNvPr id="2" name="标题 1">
             <a:extLst>
               <a:ext uri="{FF2B5EF4-FFF2-40B4-BE49-F238E27FC236}">
-                <a16:creationId xmlns="" xmlns:a16="http://schemas.microsoft.com/office/drawing/2014/main" id="{19C67D63-5CD8-483F-8FFA-F3D36AC01214}"/>
+                <a16:creationId xmlns:a16="http://schemas.microsoft.com/office/drawing/2014/main" id="{19C67D63-5CD8-483F-8FFA-F3D36AC01214}"/>
               </a:ext>
             </a:extLst>
           </p:cNvPr>
@@ -4251,10 +4278,9 @@
           <a:lstStyle/>
           <a:p>
             <a:r>
-              <a:rPr lang="zh-CN" altLang="en-US" dirty="0" smtClean="0"/>
+              <a:rPr lang="zh-CN" altLang="en-US" dirty="0"/>
               <a:t>具体实现</a:t>
             </a:r>
-            <a:endParaRPr lang="zh-CN" altLang="en-US" dirty="0"/>
           </a:p>
         </p:txBody>
       </p:sp>
@@ -4263,7 +4289,7 @@
           <p:cNvPr id="3" name="内容占位符 2">
             <a:extLst>
               <a:ext uri="{FF2B5EF4-FFF2-40B4-BE49-F238E27FC236}">
-                <a16:creationId xmlns="" xmlns:a16="http://schemas.microsoft.com/office/drawing/2014/main" id="{FD70730F-314A-462B-80CF-1A51B3A12DB8}"/>
+                <a16:creationId xmlns:a16="http://schemas.microsoft.com/office/drawing/2014/main" id="{FD70730F-314A-462B-80CF-1A51B3A12DB8}"/>
               </a:ext>
             </a:extLst>
           </p:cNvPr>
@@ -4287,10 +4313,22 @@
           <a:lstStyle/>
           <a:p>
             <a:r>
-              <a:rPr lang="zh-CN" altLang="en-US" dirty="0" smtClean="0"/>
-              <a:t>爆破限制绕过：</a:t>
-            </a:r>
-            <a:endParaRPr lang="en-US" altLang="zh-CN" dirty="0" smtClean="0"/>
+              <a:rPr lang="zh-CN" altLang="en-US" dirty="0"/>
+              <a:t>爆破限制绕过（</a:t>
+            </a:r>
+            <a:r>
+              <a:rPr lang="en-US" altLang="zh-CN" dirty="0"/>
+              <a:t>1</a:t>
+            </a:r>
+            <a:r>
+              <a:rPr lang="zh-Hans" altLang="en-US" dirty="0"/>
+              <a:t>）</a:t>
+            </a:r>
+            <a:r>
+              <a:rPr lang="zh-CN" altLang="en-US" dirty="0"/>
+              <a:t>：</a:t>
+            </a:r>
+            <a:endParaRPr lang="en-US" altLang="zh-CN" dirty="0"/>
           </a:p>
           <a:p>
             <a:pPr lvl="1">
@@ -4303,38 +4341,38 @@
               <a:t>借助</a:t>
             </a:r>
             <a:r>
-              <a:rPr lang="en-US" altLang="zh-CN" dirty="0" err="1" smtClean="0"/>
+              <a:rPr lang="en-US" altLang="zh-CN" dirty="0" err="1"/>
               <a:t>tensorflow</a:t>
             </a:r>
             <a:r>
-              <a:rPr lang="zh-CN" altLang="en-US" dirty="0" smtClean="0"/>
+              <a:rPr lang="zh-CN" altLang="en-US" dirty="0"/>
               <a:t>训练了一个</a:t>
             </a:r>
             <a:r>
-              <a:rPr lang="en-US" altLang="zh-CN" dirty="0" smtClean="0"/>
+              <a:rPr lang="en-US" altLang="zh-CN" dirty="0"/>
               <a:t>5</a:t>
             </a:r>
             <a:r>
-              <a:rPr lang="zh-CN" altLang="en-US" dirty="0" smtClean="0"/>
+              <a:rPr lang="zh-CN" altLang="en-US" dirty="0"/>
               <a:t>层的</a:t>
             </a:r>
             <a:r>
-              <a:rPr lang="en-US" altLang="zh-CN" dirty="0" smtClean="0"/>
+              <a:rPr lang="en-US" altLang="zh-CN" dirty="0"/>
               <a:t>CNN</a:t>
             </a:r>
             <a:r>
-              <a:rPr lang="zh-CN" altLang="en-US" dirty="0" smtClean="0"/>
+              <a:rPr lang="zh-CN" altLang="en-US" dirty="0"/>
               <a:t>模型，得到的模型识别准确率为</a:t>
             </a:r>
             <a:r>
-              <a:rPr lang="en-US" altLang="zh-CN" dirty="0" smtClean="0"/>
+              <a:rPr lang="en-US" altLang="zh-CN" dirty="0"/>
               <a:t>99.375%</a:t>
             </a:r>
             <a:r>
-              <a:rPr lang="zh-CN" altLang="en-US" dirty="0" smtClean="0"/>
+              <a:rPr lang="zh-CN" altLang="en-US" dirty="0"/>
               <a:t>；</a:t>
             </a:r>
-            <a:endParaRPr lang="en-US" altLang="zh-CN" dirty="0" smtClean="0"/>
+            <a:endParaRPr lang="en-US" altLang="zh-CN" dirty="0"/>
           </a:p>
           <a:p>
             <a:pPr lvl="1">
@@ -4343,18 +4381,18 @@
               </a:lnSpc>
             </a:pPr>
             <a:r>
-              <a:rPr lang="zh-CN" altLang="en-US" dirty="0" smtClean="0"/>
+              <a:rPr lang="zh-CN" altLang="en-US" dirty="0"/>
               <a:t>同</a:t>
             </a:r>
             <a:r>
-              <a:rPr lang="en-US" altLang="zh-CN" dirty="0" smtClean="0"/>
+              <a:rPr lang="en-US" altLang="zh-CN" dirty="0"/>
               <a:t>Task 1</a:t>
             </a:r>
             <a:r>
-              <a:rPr lang="zh-CN" altLang="en-US" dirty="0" smtClean="0"/>
+              <a:rPr lang="zh-CN" altLang="en-US" dirty="0"/>
               <a:t>的实现一样，我们收集过去被泄露的用户密码，合成了一份静态的爆破密码字典；</a:t>
             </a:r>
-            <a:endParaRPr lang="en-US" altLang="zh-CN" dirty="0" smtClean="0"/>
+            <a:endParaRPr lang="en-US" altLang="zh-CN" dirty="0"/>
           </a:p>
           <a:p>
             <a:pPr lvl="1">
@@ -4362,27 +4400,7 @@
                 <a:spcPct val="100000"/>
               </a:lnSpc>
             </a:pPr>
-            <a:r>
-              <a:rPr lang="en-US" altLang="zh-CN" dirty="0" smtClean="0"/>
-              <a:t>XXX</a:t>
-            </a:r>
-            <a:r>
-              <a:rPr lang="zh-CN" altLang="en-US" dirty="0" smtClean="0"/>
-              <a:t>（</a:t>
-            </a:r>
-            <a:r>
-              <a:rPr lang="zh-CN" altLang="en-US" dirty="0" smtClean="0">
-                <a:solidFill>
-                  <a:srgbClr val="FF0000"/>
-                </a:solidFill>
-              </a:rPr>
-              <a:t>阳哥补</a:t>
-            </a:r>
-            <a:r>
-              <a:rPr lang="zh-CN" altLang="en-US" dirty="0" smtClean="0"/>
-              <a:t>）</a:t>
-            </a:r>
-            <a:endParaRPr lang="en-US" altLang="zh-CN" dirty="0"/>
+            <a:endParaRPr lang="en-US" altLang="zh-Hans" dirty="0"/>
           </a:p>
         </p:txBody>
       </p:sp>
@@ -4419,13 +4437,6 @@
   <p:clrMapOvr>
     <a:masterClrMapping/>
   </p:clrMapOvr>
-  <p:timing>
-    <p:tnLst>
-      <p:par>
-        <p:cTn id="1" dur="indefinite" restart="never" nodeType="tmRoot"/>
-      </p:par>
-    </p:tnLst>
-  </p:timing>
 </p:sld>
 </file>
 
@@ -4451,7 +4462,7 @@
           <p:cNvPr id="2" name="标题 1">
             <a:extLst>
               <a:ext uri="{FF2B5EF4-FFF2-40B4-BE49-F238E27FC236}">
-                <a16:creationId xmlns="" xmlns:a16="http://schemas.microsoft.com/office/drawing/2014/main" id="{19C67D63-5CD8-483F-8FFA-F3D36AC01214}"/>
+                <a16:creationId xmlns:a16="http://schemas.microsoft.com/office/drawing/2014/main" id="{19C67D63-5CD8-483F-8FFA-F3D36AC01214}"/>
               </a:ext>
             </a:extLst>
           </p:cNvPr>
@@ -4462,16 +4473,333 @@
             <p:ph type="title"/>
           </p:nvPr>
         </p:nvSpPr>
-        <p:spPr/>
-        <p:txBody>
-          <a:bodyPr/>
-          <a:lstStyle/>
-          <a:p>
-            <a:r>
-              <a:rPr lang="zh-CN" altLang="en-US" dirty="0" smtClean="0"/>
+        <p:spPr>
+          <a:xfrm>
+            <a:off x="838200" y="365125"/>
+            <a:ext cx="2754854" cy="1325563"/>
+          </a:xfrm>
+        </p:spPr>
+        <p:txBody>
+          <a:bodyPr/>
+          <a:lstStyle/>
+          <a:p>
+            <a:r>
+              <a:rPr lang="zh-CN" altLang="en-US" dirty="0"/>
+              <a:t>具体实现</a:t>
+            </a:r>
+          </a:p>
+        </p:txBody>
+      </p:sp>
+      <p:sp>
+        <p:nvSpPr>
+          <p:cNvPr id="3" name="内容占位符 2">
+            <a:extLst>
+              <a:ext uri="{FF2B5EF4-FFF2-40B4-BE49-F238E27FC236}">
+                <a16:creationId xmlns:a16="http://schemas.microsoft.com/office/drawing/2014/main" id="{FD70730F-314A-462B-80CF-1A51B3A12DB8}"/>
+              </a:ext>
+            </a:extLst>
+          </p:cNvPr>
+          <p:cNvSpPr>
+            <a:spLocks noGrp="1"/>
+          </p:cNvSpPr>
+          <p:nvPr>
+            <p:ph idx="1"/>
+          </p:nvPr>
+        </p:nvSpPr>
+        <p:spPr>
+          <a:xfrm>
+            <a:off x="838200" y="1633423"/>
+            <a:ext cx="10515600" cy="4638288"/>
+          </a:xfrm>
+        </p:spPr>
+        <p:txBody>
+          <a:bodyPr>
+            <a:normAutofit fontScale="92500" lnSpcReduction="20000"/>
+          </a:bodyPr>
+          <a:lstStyle/>
+          <a:p>
+            <a:pPr>
+              <a:lnSpc>
+                <a:spcPct val="150000"/>
+              </a:lnSpc>
+            </a:pPr>
+            <a:r>
+              <a:rPr lang="zh-CN" altLang="en-US" dirty="0"/>
+              <a:t>爆破限制绕过（</a:t>
+            </a:r>
+            <a:r>
+              <a:rPr lang="en-US" altLang="zh-Hans" dirty="0"/>
+              <a:t>2</a:t>
+            </a:r>
+            <a:r>
+              <a:rPr lang="zh-Hans" altLang="en-US" dirty="0"/>
+              <a:t>）</a:t>
+            </a:r>
+            <a:r>
+              <a:rPr lang="zh-CN" altLang="en-US" dirty="0"/>
+              <a:t>：</a:t>
+            </a:r>
+            <a:endParaRPr lang="en-US" altLang="zh-CN" dirty="0"/>
+          </a:p>
+          <a:p>
+            <a:pPr lvl="1">
+              <a:lnSpc>
+                <a:spcPct val="150000"/>
+              </a:lnSpc>
+            </a:pPr>
+            <a:r>
+              <a:rPr lang="zh-Hans" altLang="en-US" dirty="0"/>
+              <a:t>分析网站实现，发现其使用 </a:t>
+            </a:r>
+            <a:r>
+              <a:rPr lang="en-US" altLang="zh-Hans" dirty="0"/>
+              <a:t>Session</a:t>
+            </a:r>
+            <a:r>
+              <a:rPr lang="zh-Hans" altLang="en-US" dirty="0"/>
+              <a:t> 对验证码进行管理，且针对验证码接口每次请求均刷新 </a:t>
+            </a:r>
+            <a:r>
+              <a:rPr lang="en-US" altLang="zh-Hans" dirty="0"/>
+              <a:t>Session</a:t>
+            </a:r>
+            <a:r>
+              <a:rPr lang="zh-Hans" altLang="en-US" dirty="0"/>
+              <a:t> 中对应的验证码</a:t>
+            </a:r>
+            <a:endParaRPr lang="en-US" altLang="zh-Hans" dirty="0"/>
+          </a:p>
+          <a:p>
+            <a:pPr lvl="1">
+              <a:lnSpc>
+                <a:spcPct val="150000"/>
+              </a:lnSpc>
+            </a:pPr>
+            <a:r>
+              <a:rPr lang="zh-Hans" altLang="en-US" dirty="0"/>
+              <a:t>除验证码之外，网站使用 </a:t>
+            </a:r>
+            <a:r>
+              <a:rPr lang="en-US" altLang="zh-Hans" dirty="0"/>
+              <a:t>CSRF</a:t>
+            </a:r>
+            <a:r>
+              <a:rPr lang="zh-Hans" altLang="en-US" dirty="0"/>
+              <a:t> 机制，因此在爆破之前除了获取验证码还需要获取 </a:t>
+            </a:r>
+            <a:r>
+              <a:rPr lang="en-US" altLang="zh-Hans" dirty="0"/>
+              <a:t>CSRF</a:t>
+            </a:r>
+            <a:r>
+              <a:rPr lang="zh-Hans" altLang="en-US" dirty="0"/>
+              <a:t> 值，而 刷新验证码对应的 </a:t>
+            </a:r>
+            <a:r>
+              <a:rPr lang="en-US" altLang="zh-Hans" dirty="0"/>
+              <a:t>Session</a:t>
+            </a:r>
+            <a:r>
+              <a:rPr lang="zh-Hans" altLang="en-US" dirty="0"/>
+              <a:t> 之后不会更新 </a:t>
+            </a:r>
+            <a:r>
+              <a:rPr lang="en-US" altLang="zh-Hans" dirty="0"/>
+              <a:t>CSRF</a:t>
+            </a:r>
+            <a:r>
+              <a:rPr lang="zh-Hans" altLang="en-US" dirty="0"/>
+              <a:t> 值</a:t>
+            </a:r>
+            <a:endParaRPr lang="en-US" altLang="zh-Hans" dirty="0"/>
+          </a:p>
+          <a:p>
+            <a:pPr lvl="1">
+              <a:lnSpc>
+                <a:spcPct val="150000"/>
+              </a:lnSpc>
+            </a:pPr>
+            <a:r>
+              <a:rPr lang="zh-Hans" altLang="en-US" dirty="0"/>
+              <a:t>使用 </a:t>
+            </a:r>
+            <a:r>
+              <a:rPr lang="en-US" altLang="zh-Hans" b="1" dirty="0"/>
+              <a:t>requests</a:t>
+            </a:r>
+            <a:r>
+              <a:rPr lang="zh-Hans" altLang="en-US" b="1" dirty="0"/>
+              <a:t> </a:t>
+            </a:r>
+            <a:r>
+              <a:rPr lang="zh-Hans" altLang="en-US" dirty="0"/>
+              <a:t>模块对网站登录界面进行请求</a:t>
+            </a:r>
+            <a:endParaRPr lang="en-US" altLang="zh-Hans" dirty="0"/>
+          </a:p>
+          <a:p>
+            <a:pPr lvl="1">
+              <a:lnSpc>
+                <a:spcPct val="150000"/>
+              </a:lnSpc>
+            </a:pPr>
+            <a:r>
+              <a:rPr lang="zh-Hans" altLang="en-US" dirty="0"/>
+              <a:t>使用 </a:t>
+            </a:r>
+            <a:r>
+              <a:rPr lang="en-US" altLang="zh-Hans" b="1" dirty="0"/>
+              <a:t>b4</a:t>
+            </a:r>
+            <a:r>
+              <a:rPr lang="zh-Hans" altLang="en-US" dirty="0"/>
+              <a:t> 模块对响应内容提取，获得当前 </a:t>
+            </a:r>
+            <a:r>
+              <a:rPr lang="en-US" altLang="zh-Hans" dirty="0"/>
+              <a:t>CSRF</a:t>
+            </a:r>
+            <a:r>
+              <a:rPr lang="zh-Hans" altLang="en-US" dirty="0"/>
+              <a:t> 值</a:t>
+            </a:r>
+            <a:endParaRPr lang="en-US" altLang="zh-Hans" dirty="0"/>
+          </a:p>
+          <a:p>
+            <a:pPr lvl="1">
+              <a:lnSpc>
+                <a:spcPct val="150000"/>
+              </a:lnSpc>
+            </a:pPr>
+            <a:r>
+              <a:rPr lang="zh-Hans" altLang="en-US" dirty="0"/>
+              <a:t>使用同一 </a:t>
+            </a:r>
+            <a:r>
+              <a:rPr lang="en-US" altLang="zh-Hans" dirty="0"/>
+              <a:t>Session</a:t>
+            </a:r>
+            <a:r>
+              <a:rPr lang="zh-Hans" altLang="en-US" dirty="0"/>
+              <a:t> 请求验证码图片，写入文件</a:t>
+            </a:r>
+            <a:endParaRPr lang="en-US" altLang="zh-Hans" dirty="0"/>
+          </a:p>
+          <a:p>
+            <a:pPr lvl="1">
+              <a:lnSpc>
+                <a:spcPct val="150000"/>
+              </a:lnSpc>
+            </a:pPr>
+            <a:r>
+              <a:rPr lang="zh-Hans" altLang="en-US" dirty="0"/>
+              <a:t>使用训练出来的 </a:t>
+            </a:r>
+            <a:r>
+              <a:rPr lang="en-US" altLang="zh-Hans" dirty="0"/>
+              <a:t>CNN</a:t>
+            </a:r>
+            <a:r>
+              <a:rPr lang="zh-Hans" altLang="en-US" dirty="0"/>
+              <a:t> 模型对验证码进行识别，之后进行爆破</a:t>
+            </a:r>
+            <a:endParaRPr lang="en-US" altLang="zh-Hans" dirty="0"/>
+          </a:p>
+          <a:p>
+            <a:pPr lvl="1">
+              <a:lnSpc>
+                <a:spcPct val="150000"/>
+              </a:lnSpc>
+            </a:pPr>
+            <a:endParaRPr lang="en-US" altLang="zh-Hans" dirty="0"/>
+          </a:p>
+        </p:txBody>
+      </p:sp>
+      <p:pic>
+        <p:nvPicPr>
+          <p:cNvPr id="5" name="Picture 4">
+            <a:extLst>
+              <a:ext uri="{FF2B5EF4-FFF2-40B4-BE49-F238E27FC236}">
+                <a16:creationId xmlns:a16="http://schemas.microsoft.com/office/drawing/2014/main" id="{22C7AF5F-AE4E-0D4A-BE11-A026583EF69B}"/>
+              </a:ext>
+            </a:extLst>
+          </p:cNvPr>
+          <p:cNvPicPr>
+            <a:picLocks noChangeAspect="1"/>
+          </p:cNvPicPr>
+          <p:nvPr/>
+        </p:nvPicPr>
+        <p:blipFill>
+          <a:blip r:embed="rId3"/>
+          <a:stretch>
+            <a:fillRect/>
+          </a:stretch>
+        </p:blipFill>
+        <p:spPr>
+          <a:xfrm>
+            <a:off x="6700509" y="192250"/>
+            <a:ext cx="5228798" cy="1808673"/>
+          </a:xfrm>
+          <a:prstGeom prst="rect">
+            <a:avLst/>
+          </a:prstGeom>
+        </p:spPr>
+      </p:pic>
+    </p:spTree>
+    <p:extLst>
+      <p:ext uri="{BB962C8B-B14F-4D97-AF65-F5344CB8AC3E}">
+        <p14:creationId xmlns:p14="http://schemas.microsoft.com/office/powerpoint/2010/main" val="1570857319"/>
+      </p:ext>
+    </p:extLst>
+  </p:cSld>
+  <p:clrMapOvr>
+    <a:masterClrMapping/>
+  </p:clrMapOvr>
+</p:sld>
+</file>
+
+<file path=ppt/slides/slide6.xml><?xml version="1.0" encoding="utf-8"?>
+<p:sld xmlns:a="http://schemas.openxmlformats.org/drawingml/2006/main" xmlns:r="http://schemas.openxmlformats.org/officeDocument/2006/relationships" xmlns:p="http://schemas.openxmlformats.org/presentationml/2006/main">
+  <p:cSld>
+    <p:spTree>
+      <p:nvGrpSpPr>
+        <p:cNvPr id="1" name=""/>
+        <p:cNvGrpSpPr/>
+        <p:nvPr/>
+      </p:nvGrpSpPr>
+      <p:grpSpPr>
+        <a:xfrm>
+          <a:off x="0" y="0"/>
+          <a:ext cx="0" cy="0"/>
+          <a:chOff x="0" y="0"/>
+          <a:chExt cx="0" cy="0"/>
+        </a:xfrm>
+      </p:grpSpPr>
+      <p:sp>
+        <p:nvSpPr>
+          <p:cNvPr id="2" name="标题 1">
+            <a:extLst>
+              <a:ext uri="{FF2B5EF4-FFF2-40B4-BE49-F238E27FC236}">
+                <a16:creationId xmlns:a16="http://schemas.microsoft.com/office/drawing/2014/main" id="{19C67D63-5CD8-483F-8FFA-F3D36AC01214}"/>
+              </a:ext>
+            </a:extLst>
+          </p:cNvPr>
+          <p:cNvSpPr>
+            <a:spLocks noGrp="1"/>
+          </p:cNvSpPr>
+          <p:nvPr>
+            <p:ph type="title"/>
+          </p:nvPr>
+        </p:nvSpPr>
+        <p:spPr/>
+        <p:txBody>
+          <a:bodyPr/>
+          <a:lstStyle/>
+          <a:p>
+            <a:r>
+              <a:rPr lang="zh-CN" altLang="en-US" dirty="0"/>
               <a:t>视频演示</a:t>
             </a:r>
-            <a:endParaRPr lang="zh-CN" altLang="en-US" dirty="0"/>
           </a:p>
         </p:txBody>
       </p:sp>
@@ -4504,13 +4832,6 @@
   <p:clrMapOvr>
     <a:masterClrMapping/>
   </p:clrMapOvr>
-  <p:timing>
-    <p:tnLst>
-      <p:par>
-        <p:cTn id="1" dur="indefinite" restart="never" nodeType="tmRoot"/>
-      </p:par>
-    </p:tnLst>
-  </p:timing>
 </p:sld>
 </file>
 

--- a/document/Task 2 Realization.pptx
+++ b/document/Task 2 Realization.pptx
@@ -209,7 +209,7 @@
             <a:fld id="{5F59A14B-51B2-4EDF-8FF4-8875CECC1EB3}" type="datetimeFigureOut">
               <a:rPr lang="zh-CN" altLang="en-US" smtClean="0"/>
               <a:pPr/>
-              <a:t>2019/10/29</a:t>
+              <a:t>2019/10/30</a:t>
             </a:fld>
             <a:endParaRPr lang="zh-CN" altLang="en-US" dirty="0"/>
           </a:p>
@@ -1032,7 +1032,7 @@
           <a:p>
             <a:fld id="{A786BD33-B589-45AE-8337-A4BDE4DC33E1}" type="datetimeFigureOut">
               <a:rPr lang="zh-CN" altLang="en-US" smtClean="0"/>
-              <a:t>2019/10/29</a:t>
+              <a:t>2019/10/30</a:t>
             </a:fld>
             <a:endParaRPr lang="zh-CN" altLang="en-US"/>
           </a:p>
@@ -1200,7 +1200,7 @@
           <a:p>
             <a:fld id="{A786BD33-B589-45AE-8337-A4BDE4DC33E1}" type="datetimeFigureOut">
               <a:rPr lang="zh-CN" altLang="en-US" smtClean="0"/>
-              <a:t>2019/10/29</a:t>
+              <a:t>2019/10/30</a:t>
             </a:fld>
             <a:endParaRPr lang="zh-CN" altLang="en-US"/>
           </a:p>
@@ -1378,7 +1378,7 @@
           <a:p>
             <a:fld id="{A786BD33-B589-45AE-8337-A4BDE4DC33E1}" type="datetimeFigureOut">
               <a:rPr lang="zh-CN" altLang="en-US" smtClean="0"/>
-              <a:t>2019/10/29</a:t>
+              <a:t>2019/10/30</a:t>
             </a:fld>
             <a:endParaRPr lang="zh-CN" altLang="en-US"/>
           </a:p>
@@ -1546,7 +1546,7 @@
           <a:p>
             <a:fld id="{A786BD33-B589-45AE-8337-A4BDE4DC33E1}" type="datetimeFigureOut">
               <a:rPr lang="zh-CN" altLang="en-US" smtClean="0"/>
-              <a:t>2019/10/29</a:t>
+              <a:t>2019/10/30</a:t>
             </a:fld>
             <a:endParaRPr lang="zh-CN" altLang="en-US"/>
           </a:p>
@@ -1791,7 +1791,7 @@
           <a:p>
             <a:fld id="{A786BD33-B589-45AE-8337-A4BDE4DC33E1}" type="datetimeFigureOut">
               <a:rPr lang="zh-CN" altLang="en-US" smtClean="0"/>
-              <a:t>2019/10/29</a:t>
+              <a:t>2019/10/30</a:t>
             </a:fld>
             <a:endParaRPr lang="zh-CN" altLang="en-US"/>
           </a:p>
@@ -2020,7 +2020,7 @@
           <a:p>
             <a:fld id="{A786BD33-B589-45AE-8337-A4BDE4DC33E1}" type="datetimeFigureOut">
               <a:rPr lang="zh-CN" altLang="en-US" smtClean="0"/>
-              <a:t>2019/10/29</a:t>
+              <a:t>2019/10/30</a:t>
             </a:fld>
             <a:endParaRPr lang="zh-CN" altLang="en-US"/>
           </a:p>
@@ -2384,7 +2384,7 @@
           <a:p>
             <a:fld id="{A786BD33-B589-45AE-8337-A4BDE4DC33E1}" type="datetimeFigureOut">
               <a:rPr lang="zh-CN" altLang="en-US" smtClean="0"/>
-              <a:t>2019/10/29</a:t>
+              <a:t>2019/10/30</a:t>
             </a:fld>
             <a:endParaRPr lang="zh-CN" altLang="en-US"/>
           </a:p>
@@ -2501,7 +2501,7 @@
           <a:p>
             <a:fld id="{A786BD33-B589-45AE-8337-A4BDE4DC33E1}" type="datetimeFigureOut">
               <a:rPr lang="zh-CN" altLang="en-US" smtClean="0"/>
-              <a:t>2019/10/29</a:t>
+              <a:t>2019/10/30</a:t>
             </a:fld>
             <a:endParaRPr lang="zh-CN" altLang="en-US"/>
           </a:p>
@@ -2596,7 +2596,7 @@
           <a:p>
             <a:fld id="{A786BD33-B589-45AE-8337-A4BDE4DC33E1}" type="datetimeFigureOut">
               <a:rPr lang="zh-CN" altLang="en-US" smtClean="0"/>
-              <a:t>2019/10/29</a:t>
+              <a:t>2019/10/30</a:t>
             </a:fld>
             <a:endParaRPr lang="zh-CN" altLang="en-US"/>
           </a:p>
@@ -2871,7 +2871,7 @@
           <a:p>
             <a:fld id="{A786BD33-B589-45AE-8337-A4BDE4DC33E1}" type="datetimeFigureOut">
               <a:rPr lang="zh-CN" altLang="en-US" smtClean="0"/>
-              <a:t>2019/10/29</a:t>
+              <a:t>2019/10/30</a:t>
             </a:fld>
             <a:endParaRPr lang="zh-CN" altLang="en-US"/>
           </a:p>
@@ -3123,7 +3123,7 @@
           <a:p>
             <a:fld id="{A786BD33-B589-45AE-8337-A4BDE4DC33E1}" type="datetimeFigureOut">
               <a:rPr lang="zh-CN" altLang="en-US" smtClean="0"/>
-              <a:t>2019/10/29</a:t>
+              <a:t>2019/10/30</a:t>
             </a:fld>
             <a:endParaRPr lang="zh-CN" altLang="en-US"/>
           </a:p>
@@ -3337,7 +3337,7 @@
             <a:fld id="{A786BD33-B589-45AE-8337-A4BDE4DC33E1}" type="datetimeFigureOut">
               <a:rPr lang="zh-CN" altLang="en-US" smtClean="0"/>
               <a:pPr/>
-              <a:t>2019/10/29</a:t>
+              <a:t>2019/10/30</a:t>
             </a:fld>
             <a:endParaRPr lang="zh-CN" altLang="en-US" dirty="0"/>
           </a:p>
@@ -3827,7 +3827,7 @@
           <p:cNvPr id="2" name="标题 1">
             <a:extLst>
               <a:ext uri="{FF2B5EF4-FFF2-40B4-BE49-F238E27FC236}">
-                <a16:creationId xmlns:a16="http://schemas.microsoft.com/office/drawing/2014/main" id="{19C67D63-5CD8-483F-8FFA-F3D36AC01214}"/>
+                <a16:creationId xmlns:a16="http://schemas.microsoft.com/office/drawing/2014/main" xmlns="" id="{19C67D63-5CD8-483F-8FFA-F3D36AC01214}"/>
               </a:ext>
             </a:extLst>
           </p:cNvPr>
@@ -3855,7 +3855,7 @@
           <p:cNvPr id="3" name="内容占位符 2">
             <a:extLst>
               <a:ext uri="{FF2B5EF4-FFF2-40B4-BE49-F238E27FC236}">
-                <a16:creationId xmlns:a16="http://schemas.microsoft.com/office/drawing/2014/main" id="{FD70730F-314A-462B-80CF-1A51B3A12DB8}"/>
+                <a16:creationId xmlns:a16="http://schemas.microsoft.com/office/drawing/2014/main" xmlns="" id="{FD70730F-314A-462B-80CF-1A51B3A12DB8}"/>
               </a:ext>
             </a:extLst>
           </p:cNvPr>
@@ -3960,7 +3960,7 @@
           <p:cNvPr id="2" name="标题 1">
             <a:extLst>
               <a:ext uri="{FF2B5EF4-FFF2-40B4-BE49-F238E27FC236}">
-                <a16:creationId xmlns:a16="http://schemas.microsoft.com/office/drawing/2014/main" id="{19C67D63-5CD8-483F-8FFA-F3D36AC01214}"/>
+                <a16:creationId xmlns:a16="http://schemas.microsoft.com/office/drawing/2014/main" xmlns="" id="{19C67D63-5CD8-483F-8FFA-F3D36AC01214}"/>
               </a:ext>
             </a:extLst>
           </p:cNvPr>
@@ -3988,7 +3988,7 @@
           <p:cNvPr id="3" name="内容占位符 2">
             <a:extLst>
               <a:ext uri="{FF2B5EF4-FFF2-40B4-BE49-F238E27FC236}">
-                <a16:creationId xmlns:a16="http://schemas.microsoft.com/office/drawing/2014/main" id="{FD70730F-314A-462B-80CF-1A51B3A12DB8}"/>
+                <a16:creationId xmlns:a16="http://schemas.microsoft.com/office/drawing/2014/main" xmlns="" id="{FD70730F-314A-462B-80CF-1A51B3A12DB8}"/>
               </a:ext>
             </a:extLst>
           </p:cNvPr>
@@ -4135,6 +4135,10 @@
               <a:rPr lang="zh-CN" altLang="en-US" dirty="0"/>
               <a:t>分钟，</a:t>
             </a:r>
+            <a:r>
+              <a:rPr lang="en-US" altLang="zh-CN" dirty="0"/>
+              <a:t/>
+            </a:r>
             <a:br>
               <a:rPr lang="en-US" altLang="zh-CN" dirty="0"/>
             </a:br>
@@ -4150,12 +4154,20 @@
               <a:rPr lang="zh-CN" altLang="en-US" dirty="0"/>
               <a:t>图片验证</a:t>
             </a:r>
+            <a:r>
+              <a:rPr lang="en-US" altLang="zh-CN" dirty="0"/>
+              <a:t/>
+            </a:r>
             <a:br>
               <a:rPr lang="en-US" altLang="zh-CN" dirty="0"/>
             </a:br>
             <a:r>
               <a:rPr lang="zh-CN" altLang="en-US" dirty="0"/>
               <a:t>码，防止暴力破解图片验证</a:t>
+            </a:r>
+            <a:r>
+              <a:rPr lang="en-US" altLang="zh-CN" dirty="0"/>
+              <a:t/>
             </a:r>
             <a:br>
               <a:rPr lang="en-US" altLang="zh-CN" dirty="0"/>
@@ -4194,7 +4206,7 @@
         </p:blipFill>
         <p:spPr>
           <a:xfrm>
-            <a:off x="1721688" y="5362908"/>
+            <a:off x="1721688" y="5345655"/>
             <a:ext cx="2371507" cy="889315"/>
           </a:xfrm>
           <a:prstGeom prst="rect">
@@ -4218,7 +4230,7 @@
         </p:blipFill>
         <p:spPr>
           <a:xfrm>
-            <a:off x="5382123" y="3772132"/>
+            <a:off x="5382123" y="3780758"/>
             <a:ext cx="6809877" cy="3085868"/>
           </a:xfrm>
           <a:prstGeom prst="rect">
@@ -4261,7 +4273,7 @@
           <p:cNvPr id="2" name="标题 1">
             <a:extLst>
               <a:ext uri="{FF2B5EF4-FFF2-40B4-BE49-F238E27FC236}">
-                <a16:creationId xmlns:a16="http://schemas.microsoft.com/office/drawing/2014/main" id="{19C67D63-5CD8-483F-8FFA-F3D36AC01214}"/>
+                <a16:creationId xmlns:a16="http://schemas.microsoft.com/office/drawing/2014/main" xmlns="" id="{19C67D63-5CD8-483F-8FFA-F3D36AC01214}"/>
               </a:ext>
             </a:extLst>
           </p:cNvPr>
@@ -4289,7 +4301,7 @@
           <p:cNvPr id="3" name="内容占位符 2">
             <a:extLst>
               <a:ext uri="{FF2B5EF4-FFF2-40B4-BE49-F238E27FC236}">
-                <a16:creationId xmlns:a16="http://schemas.microsoft.com/office/drawing/2014/main" id="{FD70730F-314A-462B-80CF-1A51B3A12DB8}"/>
+                <a16:creationId xmlns:a16="http://schemas.microsoft.com/office/drawing/2014/main" xmlns="" id="{FD70730F-314A-462B-80CF-1A51B3A12DB8}"/>
               </a:ext>
             </a:extLst>
           </p:cNvPr>
@@ -4419,8 +4431,8 @@
         </p:blipFill>
         <p:spPr>
           <a:xfrm>
-            <a:off x="6148264" y="145915"/>
-            <a:ext cx="5864747" cy="1846309"/>
+            <a:off x="1921320" y="3838022"/>
+            <a:ext cx="8140589" cy="2562778"/>
           </a:xfrm>
           <a:prstGeom prst="rect">
             <a:avLst/>
@@ -4462,7 +4474,7 @@
           <p:cNvPr id="2" name="标题 1">
             <a:extLst>
               <a:ext uri="{FF2B5EF4-FFF2-40B4-BE49-F238E27FC236}">
-                <a16:creationId xmlns:a16="http://schemas.microsoft.com/office/drawing/2014/main" id="{19C67D63-5CD8-483F-8FFA-F3D36AC01214}"/>
+                <a16:creationId xmlns:a16="http://schemas.microsoft.com/office/drawing/2014/main" xmlns="" id="{19C67D63-5CD8-483F-8FFA-F3D36AC01214}"/>
               </a:ext>
             </a:extLst>
           </p:cNvPr>
@@ -4495,7 +4507,7 @@
           <p:cNvPr id="3" name="内容占位符 2">
             <a:extLst>
               <a:ext uri="{FF2B5EF4-FFF2-40B4-BE49-F238E27FC236}">
-                <a16:creationId xmlns:a16="http://schemas.microsoft.com/office/drawing/2014/main" id="{FD70730F-314A-462B-80CF-1A51B3A12DB8}"/>
+                <a16:creationId xmlns:a16="http://schemas.microsoft.com/office/drawing/2014/main" xmlns="" id="{FD70730F-314A-462B-80CF-1A51B3A12DB8}"/>
               </a:ext>
             </a:extLst>
           </p:cNvPr>
@@ -4720,7 +4732,7 @@
           <p:cNvPr id="5" name="Picture 4">
             <a:extLst>
               <a:ext uri="{FF2B5EF4-FFF2-40B4-BE49-F238E27FC236}">
-                <a16:creationId xmlns:a16="http://schemas.microsoft.com/office/drawing/2014/main" id="{22C7AF5F-AE4E-0D4A-BE11-A026583EF69B}"/>
+                <a16:creationId xmlns:a16="http://schemas.microsoft.com/office/drawing/2014/main" xmlns="" id="{22C7AF5F-AE4E-0D4A-BE11-A026583EF69B}"/>
               </a:ext>
             </a:extLst>
           </p:cNvPr>
@@ -4737,8 +4749,8 @@
         </p:blipFill>
         <p:spPr>
           <a:xfrm>
-            <a:off x="6700509" y="192250"/>
-            <a:ext cx="5228798" cy="1808673"/>
+            <a:off x="6175624" y="131864"/>
+            <a:ext cx="5753683" cy="1990234"/>
           </a:xfrm>
           <a:prstGeom prst="rect">
             <a:avLst/>
@@ -4780,7 +4792,7 @@
           <p:cNvPr id="2" name="标题 1">
             <a:extLst>
               <a:ext uri="{FF2B5EF4-FFF2-40B4-BE49-F238E27FC236}">
-                <a16:creationId xmlns:a16="http://schemas.microsoft.com/office/drawing/2014/main" id="{19C67D63-5CD8-483F-8FFA-F3D36AC01214}"/>
+                <a16:creationId xmlns:a16="http://schemas.microsoft.com/office/drawing/2014/main" xmlns="" id="{19C67D63-5CD8-483F-8FFA-F3D36AC01214}"/>
               </a:ext>
             </a:extLst>
           </p:cNvPr>
